--- a/SDL_Lab_II(Final).pptx
+++ b/SDL_Lab_II(Final).pptx
@@ -20,7 +20,8 @@
     <p:sldId id="271" r:id="rId14"/>
     <p:sldId id="273" r:id="rId15"/>
     <p:sldId id="272" r:id="rId16"/>
-    <p:sldId id="274" r:id="rId17"/>
+    <p:sldId id="276" r:id="rId17"/>
+    <p:sldId id="274" r:id="rId18"/>
   </p:sldIdLst>
   <p:sldSz cx="12192000" cy="6858000"/>
   <p:notesSz cx="6858000" cy="9144000"/>
@@ -121,7 +122,7 @@
   </p:defaultTextStyle>
   <p:extLst>
     <p:ext uri="{EFAFB233-063F-42B5-8137-9DF3F51BA10A}">
-      <p15:sldGuideLst xmlns:p15="http://schemas.microsoft.com/office/powerpoint/2012/main" xmlns=""/>
+      <p15:sldGuideLst xmlns="" xmlns:p15="http://schemas.microsoft.com/office/powerpoint/2012/main"/>
     </p:ext>
   </p:extLst>
 </p:presentation>
@@ -311,7 +312,7 @@
     </p:spTree>
     <p:extLst>
       <p:ext uri="{BB962C8B-B14F-4D97-AF65-F5344CB8AC3E}">
-        <p14:creationId xmlns:p14="http://schemas.microsoft.com/office/powerpoint/2010/main" xmlns="" val="263042222"/>
+        <p14:creationId xmlns="" xmlns:p14="http://schemas.microsoft.com/office/powerpoint/2010/main" val="263042222"/>
       </p:ext>
     </p:extLst>
   </p:cSld>
@@ -483,7 +484,7 @@
     </p:spTree>
     <p:extLst>
       <p:ext uri="{BB962C8B-B14F-4D97-AF65-F5344CB8AC3E}">
-        <p14:creationId xmlns:p14="http://schemas.microsoft.com/office/powerpoint/2010/main" xmlns="" val="734052087"/>
+        <p14:creationId xmlns="" xmlns:p14="http://schemas.microsoft.com/office/powerpoint/2010/main" val="734052087"/>
       </p:ext>
     </p:extLst>
   </p:cSld>
@@ -665,7 +666,7 @@
     </p:spTree>
     <p:extLst>
       <p:ext uri="{BB962C8B-B14F-4D97-AF65-F5344CB8AC3E}">
-        <p14:creationId xmlns:p14="http://schemas.microsoft.com/office/powerpoint/2010/main" xmlns="" val="1831923782"/>
+        <p14:creationId xmlns="" xmlns:p14="http://schemas.microsoft.com/office/powerpoint/2010/main" val="1831923782"/>
       </p:ext>
     </p:extLst>
   </p:cSld>
@@ -837,7 +838,7 @@
     </p:spTree>
     <p:extLst>
       <p:ext uri="{BB962C8B-B14F-4D97-AF65-F5344CB8AC3E}">
-        <p14:creationId xmlns:p14="http://schemas.microsoft.com/office/powerpoint/2010/main" xmlns="" val="3444096636"/>
+        <p14:creationId xmlns="" xmlns:p14="http://schemas.microsoft.com/office/powerpoint/2010/main" val="3444096636"/>
       </p:ext>
     </p:extLst>
   </p:cSld>
@@ -1085,7 +1086,7 @@
     </p:spTree>
     <p:extLst>
       <p:ext uri="{BB962C8B-B14F-4D97-AF65-F5344CB8AC3E}">
-        <p14:creationId xmlns:p14="http://schemas.microsoft.com/office/powerpoint/2010/main" xmlns="" val="4221603919"/>
+        <p14:creationId xmlns="" xmlns:p14="http://schemas.microsoft.com/office/powerpoint/2010/main" val="4221603919"/>
       </p:ext>
     </p:extLst>
   </p:cSld>
@@ -1319,7 +1320,7 @@
     </p:spTree>
     <p:extLst>
       <p:ext uri="{BB962C8B-B14F-4D97-AF65-F5344CB8AC3E}">
-        <p14:creationId xmlns:p14="http://schemas.microsoft.com/office/powerpoint/2010/main" xmlns="" val="2485041529"/>
+        <p14:creationId xmlns="" xmlns:p14="http://schemas.microsoft.com/office/powerpoint/2010/main" val="2485041529"/>
       </p:ext>
     </p:extLst>
   </p:cSld>
@@ -1688,7 +1689,7 @@
     </p:spTree>
     <p:extLst>
       <p:ext uri="{BB962C8B-B14F-4D97-AF65-F5344CB8AC3E}">
-        <p14:creationId xmlns:p14="http://schemas.microsoft.com/office/powerpoint/2010/main" xmlns="" val="3847835964"/>
+        <p14:creationId xmlns="" xmlns:p14="http://schemas.microsoft.com/office/powerpoint/2010/main" val="3847835964"/>
       </p:ext>
     </p:extLst>
   </p:cSld>
@@ -1808,7 +1809,7 @@
     </p:spTree>
     <p:extLst>
       <p:ext uri="{BB962C8B-B14F-4D97-AF65-F5344CB8AC3E}">
-        <p14:creationId xmlns:p14="http://schemas.microsoft.com/office/powerpoint/2010/main" xmlns="" val="364228123"/>
+        <p14:creationId xmlns="" xmlns:p14="http://schemas.microsoft.com/office/powerpoint/2010/main" val="364228123"/>
       </p:ext>
     </p:extLst>
   </p:cSld>
@@ -1905,7 +1906,7 @@
     </p:spTree>
     <p:extLst>
       <p:ext uri="{BB962C8B-B14F-4D97-AF65-F5344CB8AC3E}">
-        <p14:creationId xmlns:p14="http://schemas.microsoft.com/office/powerpoint/2010/main" xmlns="" val="3754288110"/>
+        <p14:creationId xmlns="" xmlns:p14="http://schemas.microsoft.com/office/powerpoint/2010/main" val="3754288110"/>
       </p:ext>
     </p:extLst>
   </p:cSld>
@@ -2184,7 +2185,7 @@
     </p:spTree>
     <p:extLst>
       <p:ext uri="{BB962C8B-B14F-4D97-AF65-F5344CB8AC3E}">
-        <p14:creationId xmlns:p14="http://schemas.microsoft.com/office/powerpoint/2010/main" xmlns="" val="2987783427"/>
+        <p14:creationId xmlns="" xmlns:p14="http://schemas.microsoft.com/office/powerpoint/2010/main" val="2987783427"/>
       </p:ext>
     </p:extLst>
   </p:cSld>
@@ -2439,7 +2440,7 @@
     </p:spTree>
     <p:extLst>
       <p:ext uri="{BB962C8B-B14F-4D97-AF65-F5344CB8AC3E}">
-        <p14:creationId xmlns:p14="http://schemas.microsoft.com/office/powerpoint/2010/main" xmlns="" val="1007596711"/>
+        <p14:creationId xmlns="" xmlns:p14="http://schemas.microsoft.com/office/powerpoint/2010/main" val="1007596711"/>
       </p:ext>
     </p:extLst>
   </p:cSld>
@@ -2690,7 +2691,7 @@
     </p:spTree>
     <p:extLst>
       <p:ext uri="{BB962C8B-B14F-4D97-AF65-F5344CB8AC3E}">
-        <p14:creationId xmlns:p14="http://schemas.microsoft.com/office/powerpoint/2010/main" xmlns="" val="2201978300"/>
+        <p14:creationId xmlns="" xmlns:p14="http://schemas.microsoft.com/office/powerpoint/2010/main" val="2201978300"/>
       </p:ext>
     </p:extLst>
   </p:cSld>
@@ -3322,7 +3323,7 @@
     </p:spTree>
     <p:extLst>
       <p:ext uri="{BB962C8B-B14F-4D97-AF65-F5344CB8AC3E}">
-        <p14:creationId xmlns:p14="http://schemas.microsoft.com/office/powerpoint/2010/main" xmlns="" val="4252117784"/>
+        <p14:creationId xmlns="" xmlns:p14="http://schemas.microsoft.com/office/powerpoint/2010/main" val="4252117784"/>
       </p:ext>
     </p:extLst>
   </p:cSld>
@@ -3376,7 +3377,7 @@
           <a:blip r:embed="rId2" cstate="print">
             <a:extLst>
               <a:ext uri="{28A0092B-C50C-407E-A947-70E740481C1C}">
-                <a14:useLocalDpi xmlns:a14="http://schemas.microsoft.com/office/drawing/2010/main" xmlns="" val="0"/>
+                <a14:useLocalDpi xmlns="" xmlns:a14="http://schemas.microsoft.com/office/drawing/2010/main" val="0"/>
               </a:ext>
             </a:extLst>
           </a:blip>
@@ -3405,7 +3406,7 @@
           <a:blip r:embed="rId3">
             <a:extLst>
               <a:ext uri="{28A0092B-C50C-407E-A947-70E740481C1C}">
-                <a14:useLocalDpi xmlns:a14="http://schemas.microsoft.com/office/drawing/2010/main" xmlns="" val="0"/>
+                <a14:useLocalDpi xmlns="" xmlns:a14="http://schemas.microsoft.com/office/drawing/2010/main" val="0"/>
               </a:ext>
             </a:extLst>
           </a:blip>
@@ -3881,7 +3882,7 @@
     </p:spTree>
     <p:extLst>
       <p:ext uri="{BB962C8B-B14F-4D97-AF65-F5344CB8AC3E}">
-        <p14:creationId xmlns:p14="http://schemas.microsoft.com/office/powerpoint/2010/main" xmlns="" val="3673749279"/>
+        <p14:creationId xmlns="" xmlns:p14="http://schemas.microsoft.com/office/powerpoint/2010/main" val="3673749279"/>
       </p:ext>
     </p:extLst>
   </p:cSld>
@@ -3935,7 +3936,7 @@
           <a:blip r:embed="rId2">
             <a:extLst>
               <a:ext uri="{28A0092B-C50C-407E-A947-70E740481C1C}">
-                <a14:useLocalDpi xmlns:a14="http://schemas.microsoft.com/office/drawing/2010/main" xmlns="" val="0"/>
+                <a14:useLocalDpi xmlns="" xmlns:a14="http://schemas.microsoft.com/office/drawing/2010/main" val="0"/>
               </a:ext>
             </a:extLst>
           </a:blip>
@@ -4030,7 +4031,7 @@
           <a:blip r:embed="rId3" cstate="print">
             <a:extLst>
               <a:ext uri="{28A0092B-C50C-407E-A947-70E740481C1C}">
-                <a14:useLocalDpi xmlns:a14="http://schemas.microsoft.com/office/drawing/2010/main" xmlns="" val="0"/>
+                <a14:useLocalDpi xmlns="" xmlns:a14="http://schemas.microsoft.com/office/drawing/2010/main" val="0"/>
               </a:ext>
             </a:extLst>
           </a:blip>
@@ -4218,7 +4219,7 @@
     </p:spTree>
     <p:extLst>
       <p:ext uri="{BB962C8B-B14F-4D97-AF65-F5344CB8AC3E}">
-        <p14:creationId xmlns:p14="http://schemas.microsoft.com/office/powerpoint/2010/main" xmlns="" val="3392706827"/>
+        <p14:creationId xmlns="" xmlns:p14="http://schemas.microsoft.com/office/powerpoint/2010/main" val="3392706827"/>
       </p:ext>
     </p:extLst>
   </p:cSld>
@@ -4264,7 +4265,7 @@
           <a:blip r:embed="rId2">
             <a:extLst>
               <a:ext uri="{28A0092B-C50C-407E-A947-70E740481C1C}">
-                <a14:useLocalDpi xmlns:a14="http://schemas.microsoft.com/office/drawing/2010/main" xmlns="" val="0"/>
+                <a14:useLocalDpi xmlns="" xmlns:a14="http://schemas.microsoft.com/office/drawing/2010/main" val="0"/>
               </a:ext>
             </a:extLst>
           </a:blip>
@@ -4346,7 +4347,7 @@
     </p:spTree>
     <p:extLst>
       <p:ext uri="{BB962C8B-B14F-4D97-AF65-F5344CB8AC3E}">
-        <p14:creationId xmlns:p14="http://schemas.microsoft.com/office/powerpoint/2010/main" xmlns="" val="1715195925"/>
+        <p14:creationId xmlns="" xmlns:p14="http://schemas.microsoft.com/office/powerpoint/2010/main" val="1715195925"/>
       </p:ext>
     </p:extLst>
   </p:cSld>
@@ -4429,7 +4430,7 @@
           <a:blip r:embed="rId2">
             <a:extLst>
               <a:ext uri="{28A0092B-C50C-407E-A947-70E740481C1C}">
-                <a14:useLocalDpi xmlns:a14="http://schemas.microsoft.com/office/drawing/2010/main" xmlns="" val="0"/>
+                <a14:useLocalDpi xmlns="" xmlns:a14="http://schemas.microsoft.com/office/drawing/2010/main" val="0"/>
               </a:ext>
             </a:extLst>
           </a:blip>
@@ -4583,7 +4584,7 @@
           <a:blip r:embed="rId3">
             <a:extLst>
               <a:ext uri="{28A0092B-C50C-407E-A947-70E740481C1C}">
-                <a14:useLocalDpi xmlns:a14="http://schemas.microsoft.com/office/drawing/2010/main" xmlns="" val="0"/>
+                <a14:useLocalDpi xmlns="" xmlns:a14="http://schemas.microsoft.com/office/drawing/2010/main" val="0"/>
               </a:ext>
             </a:extLst>
           </a:blip>
@@ -4659,7 +4660,7 @@
           <a:blip r:embed="rId4" cstate="print">
             <a:extLst>
               <a:ext uri="{28A0092B-C50C-407E-A947-70E740481C1C}">
-                <a14:useLocalDpi xmlns:a14="http://schemas.microsoft.com/office/drawing/2010/main" xmlns="" val="0"/>
+                <a14:useLocalDpi xmlns="" xmlns:a14="http://schemas.microsoft.com/office/drawing/2010/main" val="0"/>
               </a:ext>
             </a:extLst>
           </a:blip>
@@ -4693,7 +4694,7 @@
           <a:blip r:embed="rId5">
             <a:extLst>
               <a:ext uri="{28A0092B-C50C-407E-A947-70E740481C1C}">
-                <a14:useLocalDpi xmlns:a14="http://schemas.microsoft.com/office/drawing/2010/main" xmlns="" val="0"/>
+                <a14:useLocalDpi xmlns="" xmlns:a14="http://schemas.microsoft.com/office/drawing/2010/main" val="0"/>
               </a:ext>
             </a:extLst>
           </a:blip>
@@ -4714,7 +4715,7 @@
     </p:spTree>
     <p:extLst>
       <p:ext uri="{BB962C8B-B14F-4D97-AF65-F5344CB8AC3E}">
-        <p14:creationId xmlns:p14="http://schemas.microsoft.com/office/powerpoint/2010/main" xmlns="" val="263563876"/>
+        <p14:creationId xmlns="" xmlns:p14="http://schemas.microsoft.com/office/powerpoint/2010/main" val="263563876"/>
       </p:ext>
     </p:extLst>
   </p:cSld>
@@ -4797,7 +4798,7 @@
           <a:blip r:embed="rId2">
             <a:extLst>
               <a:ext uri="{28A0092B-C50C-407E-A947-70E740481C1C}">
-                <a14:useLocalDpi xmlns:a14="http://schemas.microsoft.com/office/drawing/2010/main" xmlns="" val="0"/>
+                <a14:useLocalDpi xmlns="" xmlns:a14="http://schemas.microsoft.com/office/drawing/2010/main" val="0"/>
               </a:ext>
             </a:extLst>
           </a:blip>
@@ -4851,7 +4852,7 @@
           <a:blip r:embed="rId3">
             <a:extLst>
               <a:ext uri="{28A0092B-C50C-407E-A947-70E740481C1C}">
-                <a14:useLocalDpi xmlns:a14="http://schemas.microsoft.com/office/drawing/2010/main" xmlns="" val="0"/>
+                <a14:useLocalDpi xmlns="" xmlns:a14="http://schemas.microsoft.com/office/drawing/2010/main" val="0"/>
               </a:ext>
             </a:extLst>
           </a:blip>
@@ -4950,7 +4951,7 @@
           <a:blip r:embed="rId4">
             <a:extLst>
               <a:ext uri="{28A0092B-C50C-407E-A947-70E740481C1C}">
-                <a14:useLocalDpi xmlns:a14="http://schemas.microsoft.com/office/drawing/2010/main" xmlns="" val="0"/>
+                <a14:useLocalDpi xmlns="" xmlns:a14="http://schemas.microsoft.com/office/drawing/2010/main" val="0"/>
               </a:ext>
             </a:extLst>
           </a:blip>
@@ -4970,7 +4971,7 @@
     </p:spTree>
     <p:extLst>
       <p:ext uri="{BB962C8B-B14F-4D97-AF65-F5344CB8AC3E}">
-        <p14:creationId xmlns:p14="http://schemas.microsoft.com/office/powerpoint/2010/main" xmlns="" val="2434539771"/>
+        <p14:creationId xmlns="" xmlns:p14="http://schemas.microsoft.com/office/powerpoint/2010/main" val="2434539771"/>
       </p:ext>
     </p:extLst>
   </p:cSld>
@@ -5016,7 +5017,7 @@
           <a:blip r:embed="rId2">
             <a:extLst>
               <a:ext uri="{BEBA8EAE-BF5A-486C-A8C5-ECC9F3942E4B}">
-                <a14:imgProps xmlns:a14="http://schemas.microsoft.com/office/drawing/2010/main" xmlns="">
+                <a14:imgProps xmlns="" xmlns:a14="http://schemas.microsoft.com/office/drawing/2010/main">
                   <a14:imgLayer r:embed="rId3">
                     <a14:imgEffect>
                       <a14:sharpenSoften amount="50000"/>
@@ -5025,7 +5026,7 @@
                 </a14:imgProps>
               </a:ext>
               <a:ext uri="{28A0092B-C50C-407E-A947-70E740481C1C}">
-                <a14:useLocalDpi xmlns:a14="http://schemas.microsoft.com/office/drawing/2010/main" xmlns="" val="0"/>
+                <a14:useLocalDpi xmlns="" xmlns:a14="http://schemas.microsoft.com/office/drawing/2010/main" val="0"/>
               </a:ext>
             </a:extLst>
           </a:blip>
@@ -5221,7 +5222,7 @@
     </p:spTree>
     <p:extLst>
       <p:ext uri="{BB962C8B-B14F-4D97-AF65-F5344CB8AC3E}">
-        <p14:creationId xmlns:p14="http://schemas.microsoft.com/office/powerpoint/2010/main" xmlns="" val="2560665532"/>
+        <p14:creationId xmlns="" xmlns:p14="http://schemas.microsoft.com/office/powerpoint/2010/main" val="2560665532"/>
       </p:ext>
     </p:extLst>
   </p:cSld>
@@ -5257,6 +5258,182 @@
       </p:grpSpPr>
       <p:pic>
         <p:nvPicPr>
+          <p:cNvPr id="1026" name="Picture 2" descr="F:\Users\cse\Desktop\Capture1.PNG"/>
+          <p:cNvPicPr>
+            <a:picLocks noChangeAspect="1" noChangeArrowheads="1"/>
+          </p:cNvPicPr>
+          <p:nvPr/>
+        </p:nvPicPr>
+        <p:blipFill>
+          <a:blip r:embed="rId2"/>
+          <a:srcRect/>
+          <a:stretch>
+            <a:fillRect/>
+          </a:stretch>
+        </p:blipFill>
+        <p:spPr bwMode="auto">
+          <a:xfrm>
+            <a:off x="627301" y="1383196"/>
+            <a:ext cx="6776799" cy="3921197"/>
+          </a:xfrm>
+          <a:prstGeom prst="roundRect">
+            <a:avLst>
+              <a:gd name="adj" fmla="val 8594"/>
+            </a:avLst>
+          </a:prstGeom>
+          <a:solidFill>
+            <a:srgbClr val="FFFFFF">
+              <a:shade val="85000"/>
+            </a:srgbClr>
+          </a:solidFill>
+          <a:ln>
+            <a:solidFill>
+              <a:schemeClr val="bg1">
+                <a:lumMod val="50000"/>
+              </a:schemeClr>
+            </a:solidFill>
+          </a:ln>
+          <a:effectLst>
+            <a:reflection blurRad="12700" stA="38000" endPos="28000" dist="5000" dir="5400000" sy="-100000" algn="bl" rotWithShape="0"/>
+          </a:effectLst>
+          <a:scene3d>
+            <a:camera prst="perspectiveBelow"/>
+            <a:lightRig rig="threePt" dir="t"/>
+          </a:scene3d>
+        </p:spPr>
+      </p:pic>
+      <p:pic>
+        <p:nvPicPr>
+          <p:cNvPr id="1027" name="Picture 3" descr="F:\Users\cse\Desktop\Capture.PNG"/>
+          <p:cNvPicPr>
+            <a:picLocks noChangeAspect="1" noChangeArrowheads="1"/>
+          </p:cNvPicPr>
+          <p:nvPr/>
+        </p:nvPicPr>
+        <p:blipFill>
+          <a:blip r:embed="rId3"/>
+          <a:srcRect/>
+          <a:stretch>
+            <a:fillRect/>
+          </a:stretch>
+        </p:blipFill>
+        <p:spPr bwMode="auto">
+          <a:xfrm>
+            <a:off x="4281059" y="2730500"/>
+            <a:ext cx="7910941" cy="3960225"/>
+          </a:xfrm>
+          <a:prstGeom prst="roundRect">
+            <a:avLst>
+              <a:gd name="adj" fmla="val 16667"/>
+            </a:avLst>
+          </a:prstGeom>
+          <a:ln>
+            <a:noFill/>
+          </a:ln>
+          <a:effectLst>
+            <a:outerShdw blurRad="152400" dist="12000" dir="900000" sy="98000" kx="110000" ky="200000" algn="tl" rotWithShape="0">
+              <a:srgbClr val="000000">
+                <a:alpha val="30000"/>
+              </a:srgbClr>
+            </a:outerShdw>
+          </a:effectLst>
+          <a:scene3d>
+            <a:camera prst="perspectiveRight"/>
+            <a:lightRig rig="threePt" dir="t"/>
+          </a:scene3d>
+          <a:sp3d contourW="6350" prstMaterial="matte">
+            <a:contourClr>
+              <a:srgbClr val="969696"/>
+            </a:contourClr>
+          </a:sp3d>
+        </p:spPr>
+      </p:pic>
+      <p:sp>
+        <p:nvSpPr>
+          <p:cNvPr id="4" name="TextBox 3"/>
+          <p:cNvSpPr txBox="1"/>
+          <p:nvPr/>
+        </p:nvSpPr>
+        <p:spPr>
+          <a:xfrm>
+            <a:off x="0" y="0"/>
+            <a:ext cx="12192000" cy="830997"/>
+          </a:xfrm>
+          <a:prstGeom prst="rect">
+            <a:avLst/>
+          </a:prstGeom>
+          <a:solidFill>
+            <a:srgbClr val="081150"/>
+          </a:solidFill>
+        </p:spPr>
+        <p:txBody>
+          <a:bodyPr wrap="square" rtlCol="0">
+            <a:spAutoFit/>
+          </a:bodyPr>
+          <a:lstStyle/>
+          <a:p>
+            <a:pPr algn="ctr"/>
+            <a:r>
+              <a:rPr lang="en-US" sz="4800" dirty="0" err="1" smtClean="0">
+                <a:solidFill>
+                  <a:schemeClr val="bg1"/>
+                </a:solidFill>
+                <a:latin typeface="Arial Rounded MT Bold" panose="020F0704030504030204" pitchFamily="34" charset="0"/>
+              </a:rPr>
+              <a:t>Github</a:t>
+            </a:r>
+            <a:r>
+              <a:rPr lang="en-US" sz="4800" dirty="0" smtClean="0">
+                <a:solidFill>
+                  <a:schemeClr val="bg1"/>
+                </a:solidFill>
+                <a:latin typeface="Arial Rounded MT Bold" panose="020F0704030504030204" pitchFamily="34" charset="0"/>
+              </a:rPr>
+              <a:t> Contributions</a:t>
+            </a:r>
+            <a:endParaRPr lang="en-US" sz="4800" dirty="0" smtClean="0">
+              <a:solidFill>
+                <a:schemeClr val="bg1"/>
+              </a:solidFill>
+              <a:latin typeface="Arial Rounded MT Bold" panose="020F0704030504030204" pitchFamily="34" charset="0"/>
+            </a:endParaRPr>
+          </a:p>
+        </p:txBody>
+      </p:sp>
+    </p:spTree>
+  </p:cSld>
+  <p:clrMapOvr>
+    <a:masterClrMapping/>
+  </p:clrMapOvr>
+  <p:timing>
+    <p:tnLst>
+      <p:par>
+        <p:cTn id="1" dur="indefinite" restart="never" nodeType="tmRoot"/>
+      </p:par>
+    </p:tnLst>
+  </p:timing>
+</p:sld>
+</file>
+
+<file path=ppt/slides/slide17.xml><?xml version="1.0" encoding="utf-8"?>
+<p:sld xmlns:a="http://schemas.openxmlformats.org/drawingml/2006/main" xmlns:r="http://schemas.openxmlformats.org/officeDocument/2006/relationships" xmlns:p="http://schemas.openxmlformats.org/presentationml/2006/main">
+  <p:cSld>
+    <p:spTree>
+      <p:nvGrpSpPr>
+        <p:cNvPr id="1" name=""/>
+        <p:cNvGrpSpPr/>
+        <p:nvPr/>
+      </p:nvGrpSpPr>
+      <p:grpSpPr>
+        <a:xfrm>
+          <a:off x="0" y="0"/>
+          <a:ext cx="0" cy="0"/>
+          <a:chOff x="0" y="0"/>
+          <a:chExt cx="0" cy="0"/>
+        </a:xfrm>
+      </p:grpSpPr>
+      <p:pic>
+        <p:nvPicPr>
           <p:cNvPr id="2" name="Picture 1"/>
           <p:cNvPicPr>
             <a:picLocks noChangeAspect="1"/>
@@ -5267,7 +5444,7 @@
           <a:blip r:embed="rId2">
             <a:extLst>
               <a:ext uri="{28A0092B-C50C-407E-A947-70E740481C1C}">
-                <a14:useLocalDpi xmlns:a14="http://schemas.microsoft.com/office/drawing/2010/main" xmlns="" val="0"/>
+                <a14:useLocalDpi xmlns="" xmlns:a14="http://schemas.microsoft.com/office/drawing/2010/main" val="0"/>
               </a:ext>
             </a:extLst>
           </a:blip>
@@ -5335,7 +5512,7 @@
     </p:spTree>
     <p:extLst>
       <p:ext uri="{BB962C8B-B14F-4D97-AF65-F5344CB8AC3E}">
-        <p14:creationId xmlns:p14="http://schemas.microsoft.com/office/powerpoint/2010/main" xmlns="" val="2300358421"/>
+        <p14:creationId xmlns="" xmlns:p14="http://schemas.microsoft.com/office/powerpoint/2010/main" val="2300358421"/>
       </p:ext>
     </p:extLst>
   </p:cSld>
@@ -5456,7 +5633,7 @@
           <a:blip r:embed="rId2">
             <a:extLst>
               <a:ext uri="{28A0092B-C50C-407E-A947-70E740481C1C}">
-                <a14:useLocalDpi xmlns:a14="http://schemas.microsoft.com/office/drawing/2010/main" xmlns="" val="0"/>
+                <a14:useLocalDpi xmlns="" xmlns:a14="http://schemas.microsoft.com/office/drawing/2010/main" val="0"/>
               </a:ext>
             </a:extLst>
           </a:blip>
@@ -5476,7 +5653,7 @@
     </p:spTree>
     <p:extLst>
       <p:ext uri="{BB962C8B-B14F-4D97-AF65-F5344CB8AC3E}">
-        <p14:creationId xmlns:p14="http://schemas.microsoft.com/office/powerpoint/2010/main" xmlns="" val="1215227525"/>
+        <p14:creationId xmlns="" xmlns:p14="http://schemas.microsoft.com/office/powerpoint/2010/main" val="1215227525"/>
       </p:ext>
     </p:extLst>
   </p:cSld>
@@ -5530,7 +5707,7 @@
           <a:blip r:embed="rId2">
             <a:extLst>
               <a:ext uri="{28A0092B-C50C-407E-A947-70E740481C1C}">
-                <a14:useLocalDpi xmlns:a14="http://schemas.microsoft.com/office/drawing/2010/main" xmlns="" val="0"/>
+                <a14:useLocalDpi xmlns="" xmlns:a14="http://schemas.microsoft.com/office/drawing/2010/main" val="0"/>
               </a:ext>
             </a:extLst>
           </a:blip>
@@ -5559,7 +5736,7 @@
           <a:blip r:embed="rId3">
             <a:extLst>
               <a:ext uri="{28A0092B-C50C-407E-A947-70E740481C1C}">
-                <a14:useLocalDpi xmlns:a14="http://schemas.microsoft.com/office/drawing/2010/main" xmlns="" val="0"/>
+                <a14:useLocalDpi xmlns="" xmlns:a14="http://schemas.microsoft.com/office/drawing/2010/main" val="0"/>
               </a:ext>
             </a:extLst>
           </a:blip>
@@ -5580,7 +5757,7 @@
     </p:spTree>
     <p:extLst>
       <p:ext uri="{BB962C8B-B14F-4D97-AF65-F5344CB8AC3E}">
-        <p14:creationId xmlns:p14="http://schemas.microsoft.com/office/powerpoint/2010/main" xmlns="" val="539882790"/>
+        <p14:creationId xmlns="" xmlns:p14="http://schemas.microsoft.com/office/powerpoint/2010/main" val="539882790"/>
       </p:ext>
     </p:extLst>
   </p:cSld>
@@ -5733,7 +5910,7 @@
           <a:blip r:embed="rId2">
             <a:extLst>
               <a:ext uri="{28A0092B-C50C-407E-A947-70E740481C1C}">
-                <a14:useLocalDpi xmlns:a14="http://schemas.microsoft.com/office/drawing/2010/main" xmlns="" val="0"/>
+                <a14:useLocalDpi xmlns="" xmlns:a14="http://schemas.microsoft.com/office/drawing/2010/main" val="0"/>
               </a:ext>
             </a:extLst>
           </a:blip>
@@ -5762,7 +5939,7 @@
           <a:blip r:embed="rId3">
             <a:extLst>
               <a:ext uri="{28A0092B-C50C-407E-A947-70E740481C1C}">
-                <a14:useLocalDpi xmlns:a14="http://schemas.microsoft.com/office/drawing/2010/main" xmlns="" val="0"/>
+                <a14:useLocalDpi xmlns="" xmlns:a14="http://schemas.microsoft.com/office/drawing/2010/main" val="0"/>
               </a:ext>
             </a:extLst>
           </a:blip>
@@ -5783,7 +5960,7 @@
     </p:spTree>
     <p:extLst>
       <p:ext uri="{BB962C8B-B14F-4D97-AF65-F5344CB8AC3E}">
-        <p14:creationId xmlns:p14="http://schemas.microsoft.com/office/powerpoint/2010/main" xmlns="" val="816191013"/>
+        <p14:creationId xmlns="" xmlns:p14="http://schemas.microsoft.com/office/powerpoint/2010/main" val="816191013"/>
       </p:ext>
     </p:extLst>
   </p:cSld>
@@ -6041,7 +6218,7 @@
           <a:blip r:embed="rId2">
             <a:extLst>
               <a:ext uri="{28A0092B-C50C-407E-A947-70E740481C1C}">
-                <a14:useLocalDpi xmlns:a14="http://schemas.microsoft.com/office/drawing/2010/main" xmlns="" val="0"/>
+                <a14:useLocalDpi xmlns="" xmlns:a14="http://schemas.microsoft.com/office/drawing/2010/main" val="0"/>
               </a:ext>
             </a:extLst>
           </a:blip>
@@ -6070,7 +6247,7 @@
           <a:blip r:embed="rId3">
             <a:extLst>
               <a:ext uri="{28A0092B-C50C-407E-A947-70E740481C1C}">
-                <a14:useLocalDpi xmlns:a14="http://schemas.microsoft.com/office/drawing/2010/main" xmlns="" val="0"/>
+                <a14:useLocalDpi xmlns="" xmlns:a14="http://schemas.microsoft.com/office/drawing/2010/main" val="0"/>
               </a:ext>
             </a:extLst>
           </a:blip>
@@ -6091,7 +6268,7 @@
     </p:spTree>
     <p:extLst>
       <p:ext uri="{BB962C8B-B14F-4D97-AF65-F5344CB8AC3E}">
-        <p14:creationId xmlns:p14="http://schemas.microsoft.com/office/powerpoint/2010/main" xmlns="" val="4054993694"/>
+        <p14:creationId xmlns="" xmlns:p14="http://schemas.microsoft.com/office/powerpoint/2010/main" val="4054993694"/>
       </p:ext>
     </p:extLst>
   </p:cSld>
@@ -6454,7 +6631,7 @@
           <a:blip r:embed="rId2">
             <a:extLst>
               <a:ext uri="{28A0092B-C50C-407E-A947-70E740481C1C}">
-                <a14:useLocalDpi xmlns:a14="http://schemas.microsoft.com/office/drawing/2010/main" xmlns="" val="0"/>
+                <a14:useLocalDpi xmlns="" xmlns:a14="http://schemas.microsoft.com/office/drawing/2010/main" val="0"/>
               </a:ext>
             </a:extLst>
           </a:blip>
@@ -6483,7 +6660,7 @@
           <a:blip r:embed="rId3">
             <a:extLst>
               <a:ext uri="{28A0092B-C50C-407E-A947-70E740481C1C}">
-                <a14:useLocalDpi xmlns:a14="http://schemas.microsoft.com/office/drawing/2010/main" xmlns="" val="0"/>
+                <a14:useLocalDpi xmlns="" xmlns:a14="http://schemas.microsoft.com/office/drawing/2010/main" val="0"/>
               </a:ext>
             </a:extLst>
           </a:blip>
@@ -6504,7 +6681,7 @@
     </p:spTree>
     <p:extLst>
       <p:ext uri="{BB962C8B-B14F-4D97-AF65-F5344CB8AC3E}">
-        <p14:creationId xmlns:p14="http://schemas.microsoft.com/office/powerpoint/2010/main" xmlns="" val="18655573"/>
+        <p14:creationId xmlns="" xmlns:p14="http://schemas.microsoft.com/office/powerpoint/2010/main" val="18655573"/>
       </p:ext>
     </p:extLst>
   </p:cSld>
@@ -6954,7 +7131,7 @@
           <a:blip r:embed="rId2">
             <a:extLst>
               <a:ext uri="{28A0092B-C50C-407E-A947-70E740481C1C}">
-                <a14:useLocalDpi xmlns:a14="http://schemas.microsoft.com/office/drawing/2010/main" xmlns="" val="0"/>
+                <a14:useLocalDpi xmlns="" xmlns:a14="http://schemas.microsoft.com/office/drawing/2010/main" val="0"/>
               </a:ext>
             </a:extLst>
           </a:blip>
@@ -6983,7 +7160,7 @@
           <a:blip r:embed="rId3">
             <a:extLst>
               <a:ext uri="{28A0092B-C50C-407E-A947-70E740481C1C}">
-                <a14:useLocalDpi xmlns:a14="http://schemas.microsoft.com/office/drawing/2010/main" xmlns="" val="0"/>
+                <a14:useLocalDpi xmlns="" xmlns:a14="http://schemas.microsoft.com/office/drawing/2010/main" val="0"/>
               </a:ext>
             </a:extLst>
           </a:blip>
@@ -7004,7 +7181,7 @@
     </p:spTree>
     <p:extLst>
       <p:ext uri="{BB962C8B-B14F-4D97-AF65-F5344CB8AC3E}">
-        <p14:creationId xmlns:p14="http://schemas.microsoft.com/office/powerpoint/2010/main" xmlns="" val="320191418"/>
+        <p14:creationId xmlns="" xmlns:p14="http://schemas.microsoft.com/office/powerpoint/2010/main" val="320191418"/>
       </p:ext>
     </p:extLst>
   </p:cSld>
@@ -7454,7 +7631,7 @@
           <a:blip r:embed="rId2">
             <a:extLst>
               <a:ext uri="{28A0092B-C50C-407E-A947-70E740481C1C}">
-                <a14:useLocalDpi xmlns:a14="http://schemas.microsoft.com/office/drawing/2010/main" xmlns="" val="0"/>
+                <a14:useLocalDpi xmlns="" xmlns:a14="http://schemas.microsoft.com/office/drawing/2010/main" val="0"/>
               </a:ext>
             </a:extLst>
           </a:blip>
@@ -7483,7 +7660,7 @@
           <a:blip r:embed="rId3">
             <a:extLst>
               <a:ext uri="{28A0092B-C50C-407E-A947-70E740481C1C}">
-                <a14:useLocalDpi xmlns:a14="http://schemas.microsoft.com/office/drawing/2010/main" xmlns="" val="0"/>
+                <a14:useLocalDpi xmlns="" xmlns:a14="http://schemas.microsoft.com/office/drawing/2010/main" val="0"/>
               </a:ext>
             </a:extLst>
           </a:blip>
@@ -7504,7 +7681,7 @@
     </p:spTree>
     <p:extLst>
       <p:ext uri="{BB962C8B-B14F-4D97-AF65-F5344CB8AC3E}">
-        <p14:creationId xmlns:p14="http://schemas.microsoft.com/office/powerpoint/2010/main" xmlns="" val="1512387489"/>
+        <p14:creationId xmlns="" xmlns:p14="http://schemas.microsoft.com/office/powerpoint/2010/main" val="1512387489"/>
       </p:ext>
     </p:extLst>
   </p:cSld>
@@ -7550,7 +7727,7 @@
           <a:blip r:embed="rId2">
             <a:extLst>
               <a:ext uri="{28A0092B-C50C-407E-A947-70E740481C1C}">
-                <a14:useLocalDpi xmlns:a14="http://schemas.microsoft.com/office/drawing/2010/main" xmlns="" val="0"/>
+                <a14:useLocalDpi xmlns="" xmlns:a14="http://schemas.microsoft.com/office/drawing/2010/main" val="0"/>
               </a:ext>
             </a:extLst>
           </a:blip>
@@ -8132,7 +8309,7 @@
     </p:spTree>
     <p:extLst>
       <p:ext uri="{BB962C8B-B14F-4D97-AF65-F5344CB8AC3E}">
-        <p14:creationId xmlns:p14="http://schemas.microsoft.com/office/powerpoint/2010/main" xmlns="" val="1489268006"/>
+        <p14:creationId xmlns="" xmlns:p14="http://schemas.microsoft.com/office/powerpoint/2010/main" val="1489268006"/>
       </p:ext>
     </p:extLst>
   </p:cSld>
@@ -8404,7 +8581,7 @@
   <a:extraClrSchemeLst/>
   <a:extLst>
     <a:ext uri="{05A4C25C-085E-4340-85A3-A5531E510DB2}">
-      <thm15:themeFamily xmlns:thm15="http://schemas.microsoft.com/office/thememl/2012/main" xmlns="" name="Office Theme" id="{62F939B6-93AF-4DB8-9C6B-D6C7DFDC589F}" vid="{4A3C46E8-61CC-4603-A589-7422A47A8E4A}"/>
+      <thm15:themeFamily xmlns="" xmlns:thm15="http://schemas.microsoft.com/office/thememl/2012/main" name="Office Theme" id="{62F939B6-93AF-4DB8-9C6B-D6C7DFDC589F}" vid="{4A3C46E8-61CC-4603-A589-7422A47A8E4A}"/>
     </a:ext>
   </a:extLst>
 </a:theme>
